--- a/generated_FINAL.pptx
+++ b/generated_FINAL.pptx
@@ -3130,62 +3130,6 @@
           <a:p/>
         </p:txBody>
       </p:sp>
-      <p:sp>
-        <p:nvSpPr>
-          <p:cNvPr id="4" name="TextBox 3"/>
-          <p:cNvSpPr txBox="1"/>
-          <p:nvPr/>
-        </p:nvSpPr>
-        <p:spPr>
-          <a:xfrm>
-            <a:off x="685800" y="2895480"/>
-            <a:ext cx="7772040" cy="1066320"/>
-          </a:xfrm>
-          <a:prstGeom prst="rect">
-            <a:avLst/>
-          </a:prstGeom>
-          <a:noFill/>
-        </p:spPr>
-        <p:txBody>
-          <a:bodyPr wrap="none">
-            <a:spAutoFit/>
-          </a:bodyPr>
-          <a:lstStyle/>
-          <a:p>
-            <a:r>
-              <a:t>Presentation Title</a:t>
-            </a:r>
-          </a:p>
-        </p:txBody>
-      </p:sp>
-      <p:sp>
-        <p:nvSpPr>
-          <p:cNvPr id="5" name="TextBox 4"/>
-          <p:cNvSpPr txBox="1"/>
-          <p:nvPr/>
-        </p:nvSpPr>
-        <p:spPr>
-          <a:xfrm>
-            <a:off x="685800" y="4648320"/>
-            <a:ext cx="6400440" cy="1904760"/>
-          </a:xfrm>
-          <a:prstGeom prst="rect">
-            <a:avLst/>
-          </a:prstGeom>
-          <a:noFill/>
-        </p:spPr>
-        <p:txBody>
-          <a:bodyPr wrap="none">
-            <a:spAutoFit/>
-          </a:bodyPr>
-          <a:lstStyle/>
-          <a:p>
-            <a:r>
-              <a:t>Author,Department,Date,Location</a:t>
-            </a:r>
-          </a:p>
-        </p:txBody>
-      </p:sp>
     </p:spTree>
   </p:cSld>
   <p:clrMapOvr>
@@ -3238,62 +3182,6 @@
           <a:p/>
         </p:txBody>
       </p:sp>
-      <p:sp>
-        <p:nvSpPr>
-          <p:cNvPr id="4" name="TextBox 3"/>
-          <p:cNvSpPr txBox="1"/>
-          <p:nvPr/>
-        </p:nvSpPr>
-        <p:spPr>
-          <a:xfrm>
-            <a:off x="722160" y="2906640"/>
-            <a:ext cx="7772040" cy="1361880"/>
-          </a:xfrm>
-          <a:prstGeom prst="rect">
-            <a:avLst/>
-          </a:prstGeom>
-          <a:noFill/>
-        </p:spPr>
-        <p:txBody>
-          <a:bodyPr wrap="none">
-            <a:spAutoFit/>
-          </a:bodyPr>
-          <a:lstStyle/>
-          <a:p>
-            <a:r>
-              <a:t>Presentation Title</a:t>
-            </a:r>
-          </a:p>
-        </p:txBody>
-      </p:sp>
-      <p:sp>
-        <p:nvSpPr>
-          <p:cNvPr id="5" name="TextBox 4"/>
-          <p:cNvSpPr txBox="1"/>
-          <p:nvPr/>
-        </p:nvSpPr>
-        <p:spPr>
-          <a:xfrm>
-            <a:off x="722160" y="4648320"/>
-            <a:ext cx="7772040" cy="1683360"/>
-          </a:xfrm>
-          <a:prstGeom prst="rect">
-            <a:avLst/>
-          </a:prstGeom>
-          <a:noFill/>
-        </p:spPr>
-        <p:txBody>
-          <a:bodyPr wrap="none">
-            <a:spAutoFit/>
-          </a:bodyPr>
-          <a:lstStyle/>
-          <a:p>
-            <a:r>
-              <a:t>Author,Department,Date,Location</a:t>
-            </a:r>
-          </a:p>
-        </p:txBody>
-      </p:sp>
     </p:spTree>
   </p:cSld>
   <p:clrMapOvr>
@@ -3398,62 +3286,6 @@
           <a:p/>
         </p:txBody>
       </p:sp>
-      <p:sp>
-        <p:nvSpPr>
-          <p:cNvPr id="4" name="TextBox 3"/>
-          <p:cNvSpPr txBox="1"/>
-          <p:nvPr/>
-        </p:nvSpPr>
-        <p:spPr>
-          <a:xfrm>
-            <a:off x="533520" y="990720"/>
-            <a:ext cx="3007800" cy="552240"/>
-          </a:xfrm>
-          <a:prstGeom prst="rect">
-            <a:avLst/>
-          </a:prstGeom>
-          <a:noFill/>
-        </p:spPr>
-        <p:txBody>
-          <a:bodyPr wrap="none">
-            <a:spAutoFit/>
-          </a:bodyPr>
-          <a:lstStyle/>
-          <a:p>
-            <a:r>
-              <a:t>GraphTitle</a:t>
-            </a:r>
-          </a:p>
-        </p:txBody>
-      </p:sp>
-      <p:sp>
-        <p:nvSpPr>
-          <p:cNvPr id="5" name="TextBox 4"/>
-          <p:cNvSpPr txBox="1"/>
-          <p:nvPr/>
-        </p:nvSpPr>
-        <p:spPr>
-          <a:xfrm>
-            <a:off x="533520" y="6019920"/>
-            <a:ext cx="8229240" cy="685440"/>
-          </a:xfrm>
-          <a:prstGeom prst="rect">
-            <a:avLst/>
-          </a:prstGeom>
-          <a:noFill/>
-        </p:spPr>
-        <p:txBody>
-          <a:bodyPr wrap="none">
-            <a:spAutoFit/>
-          </a:bodyPr>
-          <a:lstStyle/>
-          <a:p>
-            <a:r>
-              <a:t>Additional Notes ,- ,Lorem ipsum dolor sit amet, consectetuer adipiscing elit. Aenean commodo ligula eget dolor. Aenean massa. Cum sociis natoque penatibus et magnis dis parturient montes, nascetur ridiculus mus. Donec quam felis, ultricies nec, pellentesque eu, pretium quis, sem</a:t>
-            </a:r>
-          </a:p>
-        </p:txBody>
-      </p:sp>
     </p:spTree>
   </p:cSld>
   <p:clrMapOvr>
@@ -3506,37 +3338,9 @@
           <a:p/>
         </p:txBody>
       </p:sp>
-      <p:sp>
-        <p:nvSpPr>
-          <p:cNvPr id="4" name="TextBox 3"/>
-          <p:cNvSpPr txBox="1"/>
-          <p:nvPr/>
-        </p:nvSpPr>
-        <p:spPr>
-          <a:xfrm>
-            <a:off x="533520" y="990720"/>
-            <a:ext cx="8152920" cy="533160"/>
-          </a:xfrm>
-          <a:prstGeom prst="rect">
-            <a:avLst/>
-          </a:prstGeom>
-          <a:noFill/>
-        </p:spPr>
-        <p:txBody>
-          <a:bodyPr wrap="none">
-            <a:spAutoFit/>
-          </a:bodyPr>
-          <a:lstStyle/>
-          <a:p>
-            <a:r>
-              <a:t>Chart Title</a:t>
-            </a:r>
-          </a:p>
-        </p:txBody>
-      </p:sp>
       <p:graphicFrame>
         <p:nvGraphicFramePr>
-          <p:cNvPr id="5" name="Table 4"/>
+          <p:cNvPr id="4" name="Table 3"/>
           <p:cNvGraphicFramePr>
             <a:graphicFrameLocks noGrp="1"/>
           </p:cNvGraphicFramePr>
@@ -3544,7 +3348,7 @@
         </p:nvGraphicFramePr>
         <p:xfrm>
           <a:off x="533520" y="1676520"/>
-          <a:ext cx="8153280" cy="4419360"/>
+          <a:ext cx="8153280" cy="4419000"/>
         </p:xfrm>
         <a:graphic>
           <a:graphicData uri="http://schemas.openxmlformats.org/drawingml/2006/table">
@@ -3558,7 +3362,7 @@
                 <a:gridCol w="2038320"/>
                 <a:gridCol w="2038320"/>
               </a:tblGrid>
-              <a:tr h="631337">
+              <a:tr h="552375">
                 <a:tc>
                   <a:txBody>
                     <a:bodyPr/>
@@ -3624,7 +3428,73 @@
                   </a:tcPr>
                 </a:tc>
               </a:tr>
-              <a:tr h="631337">
+              <a:tr h="552375">
+                <a:tc>
+                  <a:txBody>
+                    <a:bodyPr/>
+                    <a:lstStyle/>
+                    <a:p>
+                      <a:r>
+                        <a:t> Alex, Evan</a:t>
+                      </a:r>
+                    </a:p>
+                  </a:txBody>
+                  <a:tcPr>
+                    <a:solidFill>
+                      <a:srgbClr val="00A65D"/>
+                    </a:solidFill>
+                  </a:tcPr>
+                </a:tc>
+                <a:tc>
+                  <a:txBody>
+                    <a:bodyPr/>
+                    <a:lstStyle/>
+                    <a:p>
+                      <a:r>
+                        <a:t>Due Oct 26th</a:t>
+                      </a:r>
+                    </a:p>
+                  </a:txBody>
+                  <a:tcPr>
+                    <a:solidFill>
+                      <a:srgbClr val="C00000"/>
+                    </a:solidFill>
+                  </a:tcPr>
+                </a:tc>
+                <a:tc>
+                  <a:txBody>
+                    <a:bodyPr/>
+                    <a:lstStyle/>
+                    <a:p>
+                      <a:r>
+                        <a:t> These are </a:t>
+                      </a:r>
+                    </a:p>
+                  </a:txBody>
+                  <a:tcPr>
+                    <a:solidFill>
+                      <a:srgbClr val="C00000"/>
+                    </a:solidFill>
+                  </a:tcPr>
+                </a:tc>
+                <a:tc>
+                  <a:txBody>
+                    <a:bodyPr/>
+                    <a:lstStyle/>
+                    <a:p>
+                      <a:r>
+                        <a:t>updates</a:t>
+                      </a:r>
+                    </a:p>
+                  </a:txBody>
+                  <a:tcPr>
+                    <a:solidFill>
+                      <a:srgbClr val="C00000"/>
+                    </a:solidFill>
+                  </a:tcPr>
+                </a:tc>
+              </a:tr>
+              <a:tr h="552375">
                 <a:tc>
                   <a:txBody>
                     <a:bodyPr/>
@@ -3690,7 +3560,7 @@
                   </a:tcPr>
                 </a:tc>
               </a:tr>
-              <a:tr h="631337">
+              <a:tr h="552375">
                 <a:tc>
                   <a:txBody>
                     <a:bodyPr/>
@@ -3756,7 +3626,7 @@
                   </a:tcPr>
                 </a:tc>
               </a:tr>
-              <a:tr h="631337">
+              <a:tr h="552375">
                 <a:tc>
                   <a:txBody>
                     <a:bodyPr/>
@@ -3822,7 +3692,7 @@
                   </a:tcPr>
                 </a:tc>
               </a:tr>
-              <a:tr h="631337">
+              <a:tr h="552375">
                 <a:tc>
                   <a:txBody>
                     <a:bodyPr/>
@@ -3888,7 +3758,7 @@
                   </a:tcPr>
                 </a:tc>
               </a:tr>
-              <a:tr h="631337">
+              <a:tr h="552375">
                 <a:tc>
                   <a:txBody>
                     <a:bodyPr/>
@@ -3954,7 +3824,7 @@
                   </a:tcPr>
                 </a:tc>
               </a:tr>
-              <a:tr h="631338">
+              <a:tr h="552375">
                 <a:tc>
                   <a:txBody>
                     <a:bodyPr/>
@@ -3967,7 +3837,7 @@
                   </a:txBody>
                   <a:tcPr>
                     <a:solidFill>
-                      <a:srgbClr val="F4E7E7"/>
+                      <a:srgbClr val="0066B3"/>
                     </a:solidFill>
                   </a:tcPr>
                 </a:tc>
@@ -4076,16 +3946,209 @@
           <a:p/>
         </p:txBody>
       </p:sp>
-      <p:sp>
-        <p:nvSpPr>
-          <p:cNvPr id="4" name="TextBox 3"/>
+      <p:graphicFrame>
+        <p:nvGraphicFramePr>
+          <p:cNvPr id="4" name="Table 3"/>
+          <p:cNvGraphicFramePr>
+            <a:graphicFrameLocks noGrp="1"/>
+          </p:cNvGraphicFramePr>
+          <p:nvPr/>
+        </p:nvGraphicFramePr>
+        <p:xfrm>
+          <a:off x="2057760" y="2720520"/>
+          <a:ext cx="5075640" cy="1439280"/>
+        </p:xfrm>
+        <a:graphic>
+          <a:graphicData uri="http://schemas.openxmlformats.org/drawingml/2006/table">
+            <a:tbl>
+              <a:tblPr firstRow="1" bandRow="1">
+                <a:tableStyleId>{5C22544A-7EE6-4342-B048-85BDC9FD1C3A}</a:tableStyleId>
+              </a:tblPr>
+              <a:tblGrid>
+                <a:gridCol w="1014840"/>
+                <a:gridCol w="1014840"/>
+                <a:gridCol w="1014840"/>
+                <a:gridCol w="1014840"/>
+                <a:gridCol w="1016280"/>
+              </a:tblGrid>
+              <a:tr h="719640">
+                <a:tc>
+                  <a:txBody>
+                    <a:bodyPr/>
+                    <a:lstStyle/>
+                    <a:p>
+                      <a:r>
+                        <a:t>People</a:t>
+                      </a:r>
+                    </a:p>
+                  </a:txBody>
+                  <a:tcPr>
+                    <a:solidFill>
+                      <a:srgbClr val="8F93C7"/>
+                    </a:solidFill>
+                  </a:tcPr>
+                </a:tc>
+                <a:tc>
+                  <a:txBody>
+                    <a:bodyPr/>
+                    <a:lstStyle/>
+                    <a:p>
+                      <a:r>
+                        <a:t>Date</a:t>
+                      </a:r>
+                    </a:p>
+                  </a:txBody>
+                  <a:tcPr>
+                    <a:solidFill>
+                      <a:srgbClr val="8F93C7"/>
+                    </a:solidFill>
+                  </a:tcPr>
+                </a:tc>
+                <a:tc>
+                  <a:txBody>
+                    <a:bodyPr/>
+                    <a:lstStyle/>
+                    <a:p>
+                      <a:r>
+                        <a:t>details</a:t>
+                      </a:r>
+                    </a:p>
+                  </a:txBody>
+                  <a:tcPr>
+                    <a:solidFill>
+                      <a:srgbClr val="8F93C7"/>
+                    </a:solidFill>
+                  </a:tcPr>
+                </a:tc>
+                <a:tc>
+                  <a:txBody>
+                    <a:bodyPr/>
+                    <a:lstStyle/>
+                    <a:p>
+                      <a:r>
+                        <a:t>:&gt;)</a:t>
+                      </a:r>
+                    </a:p>
+                  </a:txBody>
+                  <a:tcPr>
+                    <a:solidFill>
+                      <a:srgbClr val="8F93C7"/>
+                    </a:solidFill>
+                  </a:tcPr>
+                </a:tc>
+                <a:tc>
+                  <a:txBody>
+                    <a:bodyPr/>
+                    <a:lstStyle/>
+                    <a:p>
+                      <a:r>
+                        <a:t>stuf</a:t>
+                      </a:r>
+                    </a:p>
+                  </a:txBody>
+                  <a:tcPr>
+                    <a:solidFill>
+                      <a:srgbClr val="8F93C7"/>
+                    </a:solidFill>
+                  </a:tcPr>
+                </a:tc>
+              </a:tr>
+              <a:tr h="719640">
+                <a:tc>
+                  <a:txBody>
+                    <a:bodyPr/>
+                    <a:lstStyle/>
+                    <a:p>
+                      <a:r>
+                        <a:t>Kevin, Cameron</a:t>
+                      </a:r>
+                    </a:p>
+                  </a:txBody>
+                  <a:tcPr>
+                    <a:solidFill>
+                      <a:srgbClr val="FDC578"/>
+                    </a:solidFill>
+                  </a:tcPr>
+                </a:tc>
+                <a:tc>
+                  <a:txBody>
+                    <a:bodyPr/>
+                    <a:lstStyle/>
+                    <a:p>
+                      <a:r>
+                        <a:t>Due yesterday</a:t>
+                      </a:r>
+                    </a:p>
+                  </a:txBody>
+                  <a:tcPr>
+                    <a:solidFill>
+                      <a:srgbClr val="8F93C7"/>
+                    </a:solidFill>
+                  </a:tcPr>
+                </a:tc>
+                <a:tc>
+                  <a:txBody>
+                    <a:bodyPr/>
+                    <a:lstStyle/>
+                    <a:p>
+                      <a:r>
+                        <a:t>I fucking hope this works</a:t>
+                      </a:r>
+                    </a:p>
+                  </a:txBody>
+                  <a:tcPr>
+                    <a:solidFill>
+                      <a:srgbClr val="8F93C7"/>
+                    </a:solidFill>
+                  </a:tcPr>
+                </a:tc>
+                <a:tc>
+                  <a:txBody>
+                    <a:bodyPr/>
+                    <a:lstStyle/>
+                    <a:p>
+                      <a:r>
+                        <a:t>Holy  shit</a:t>
+                      </a:r>
+                    </a:p>
+                  </a:txBody>
+                  <a:tcPr>
+                    <a:solidFill>
+                      <a:srgbClr val="8F93C7"/>
+                    </a:solidFill>
+                  </a:tcPr>
+                </a:tc>
+                <a:tc>
+                  <a:txBody>
+                    <a:bodyPr/>
+                    <a:lstStyle/>
+                    <a:p>
+                      <a:r>
+                        <a:t>haha</a:t>
+                      </a:r>
+                    </a:p>
+                  </a:txBody>
+                  <a:tcPr>
+                    <a:solidFill>
+                      <a:srgbClr val="FCD3C1"/>
+                    </a:solidFill>
+                  </a:tcPr>
+                </a:tc>
+              </a:tr>
+            </a:tbl>
+          </a:graphicData>
+        </a:graphic>
+      </p:graphicFrame>
+      <p:sp>
+        <p:nvSpPr>
+          <p:cNvPr id="5" name="TextBox 4"/>
           <p:cNvSpPr txBox="1"/>
           <p:nvPr/>
         </p:nvSpPr>
         <p:spPr>
           <a:xfrm>
-            <a:off x="533520" y="990720"/>
-            <a:ext cx="8152920" cy="533160"/>
+            <a:off x="2468880" y="990720"/>
+            <a:ext cx="3749040" cy="346320"/>
           </a:xfrm>
           <a:prstGeom prst="rect">
             <a:avLst/>
@@ -4099,35 +4162,7 @@
           <a:lstStyle/>
           <a:p>
             <a:r>
-              <a:t>List Title</a:t>
-            </a:r>
-          </a:p>
-        </p:txBody>
-      </p:sp>
-      <p:sp>
-        <p:nvSpPr>
-          <p:cNvPr id="5" name="TextBox 4"/>
-          <p:cNvSpPr txBox="1"/>
-          <p:nvPr/>
-        </p:nvSpPr>
-        <p:spPr>
-          <a:xfrm>
-            <a:off x="533520" y="1676520"/>
-            <a:ext cx="8152920" cy="4449240"/>
-          </a:xfrm>
-          <a:prstGeom prst="rect">
-            <a:avLst/>
-          </a:prstGeom>
-          <a:noFill/>
-        </p:spPr>
-        <p:txBody>
-          <a:bodyPr wrap="none">
-            <a:spAutoFit/>
-          </a:bodyPr>
-          <a:lstStyle/>
-          <a:p>
-            <a:r>
-              <a:t>Lorem ipsum dolor sit amet ,Aenean commodo ligula eget dolor ,Cum sociis natoque penatibus et magnis dis parturient montes ,Donec quam felis, ultricies nec, pellentesque eu ,Lorem ipsum dolor sit amet, consectetuer adipiscing elit ,Aenean massa ,Aenean commodo ligula eget dolor</a:t>
+              <a:t>This is the title of the page</a:t>
             </a:r>
           </a:p>
         </p:txBody>
@@ -4184,62 +4219,6 @@
           <a:p/>
         </p:txBody>
       </p:sp>
-      <p:sp>
-        <p:nvSpPr>
-          <p:cNvPr id="4" name="TextBox 3"/>
-          <p:cNvSpPr txBox="1"/>
-          <p:nvPr/>
-        </p:nvSpPr>
-        <p:spPr>
-          <a:xfrm>
-            <a:off x="533520" y="990720"/>
-            <a:ext cx="8152920" cy="533160"/>
-          </a:xfrm>
-          <a:prstGeom prst="rect">
-            <a:avLst/>
-          </a:prstGeom>
-          <a:noFill/>
-        </p:spPr>
-        <p:txBody>
-          <a:bodyPr wrap="none">
-            <a:spAutoFit/>
-          </a:bodyPr>
-          <a:lstStyle/>
-          <a:p>
-            <a:r>
-              <a:t>Slide Title</a:t>
-            </a:r>
-          </a:p>
-        </p:txBody>
-      </p:sp>
-      <p:sp>
-        <p:nvSpPr>
-          <p:cNvPr id="5" name="TextBox 4"/>
-          <p:cNvSpPr txBox="1"/>
-          <p:nvPr/>
-        </p:nvSpPr>
-        <p:spPr>
-          <a:xfrm>
-            <a:off x="533520" y="1676520"/>
-            <a:ext cx="8152920" cy="4449240"/>
-          </a:xfrm>
-          <a:prstGeom prst="rect">
-            <a:avLst/>
-          </a:prstGeom>
-          <a:noFill/>
-        </p:spPr>
-        <p:txBody>
-          <a:bodyPr wrap="none">
-            <a:spAutoFit/>
-          </a:bodyPr>
-          <a:lstStyle/>
-          <a:p>
-            <a:r>
-              <a:t>Lorem ipsum dolor sit amet, consectetuer adipiscing elit. Aenean commodo ligula eget dolor. Aenean massa. Cum sociis natoque penatibus et magnis dis parturient montes, nascetur ridiculus mus. Donec quam felis, ultricies nec, pellentesque eu, pretium quis, sem.,Aenean massa. Cum sociis natoque penatibus et magnis dis parturient montes, nascetur ridiculus mus. Donec quam felis, ultricies nec, pellentesque eu, pretium quis, sem.</a:t>
-            </a:r>
-          </a:p>
-        </p:txBody>
-      </p:sp>
     </p:spTree>
   </p:cSld>
   <p:clrMapOvr>
@@ -4292,62 +4271,6 @@
           <a:p/>
         </p:txBody>
       </p:sp>
-      <p:sp>
-        <p:nvSpPr>
-          <p:cNvPr id="4" name="TextBox 3"/>
-          <p:cNvSpPr txBox="1"/>
-          <p:nvPr/>
-        </p:nvSpPr>
-        <p:spPr>
-          <a:xfrm>
-            <a:off x="533520" y="6248520"/>
-            <a:ext cx="8152920" cy="347400"/>
-          </a:xfrm>
-          <a:prstGeom prst="rect">
-            <a:avLst/>
-          </a:prstGeom>
-          <a:noFill/>
-        </p:spPr>
-        <p:txBody>
-          <a:bodyPr wrap="none">
-            <a:spAutoFit/>
-          </a:bodyPr>
-          <a:lstStyle/>
-          <a:p>
-            <a:r>
-              <a:t>Type image caption here.</a:t>
-            </a:r>
-          </a:p>
-        </p:txBody>
-      </p:sp>
-      <p:sp>
-        <p:nvSpPr>
-          <p:cNvPr id="5" name="TextBox 4"/>
-          <p:cNvSpPr txBox="1"/>
-          <p:nvPr/>
-        </p:nvSpPr>
-        <p:spPr>
-          <a:xfrm>
-            <a:off x="533520" y="1066680"/>
-            <a:ext cx="8152920" cy="456840"/>
-          </a:xfrm>
-          <a:prstGeom prst="rect">
-            <a:avLst/>
-          </a:prstGeom>
-          <a:noFill/>
-        </p:spPr>
-        <p:txBody>
-          <a:bodyPr wrap="none">
-            <a:spAutoFit/>
-          </a:bodyPr>
-          <a:lstStyle/>
-          <a:p>
-            <a:r>
-              <a:t>Slide Title</a:t>
-            </a:r>
-          </a:p>
-        </p:txBody>
-      </p:sp>
     </p:spTree>
   </p:cSld>
   <p:clrMapOvr>
@@ -4398,62 +4321,6 @@
           <a:bodyPr/>
           <a:lstStyle/>
           <a:p/>
-        </p:txBody>
-      </p:sp>
-      <p:sp>
-        <p:nvSpPr>
-          <p:cNvPr id="4" name="TextBox 3"/>
-          <p:cNvSpPr txBox="1"/>
-          <p:nvPr/>
-        </p:nvSpPr>
-        <p:spPr>
-          <a:xfrm>
-            <a:off x="507960" y="1038240"/>
-            <a:ext cx="8229240" cy="532440"/>
-          </a:xfrm>
-          <a:prstGeom prst="rect">
-            <a:avLst/>
-          </a:prstGeom>
-          <a:noFill/>
-        </p:spPr>
-        <p:txBody>
-          <a:bodyPr wrap="none">
-            <a:spAutoFit/>
-          </a:bodyPr>
-          <a:lstStyle/>
-          <a:p>
-            <a:r>
-              <a:t>Page Title</a:t>
-            </a:r>
-          </a:p>
-        </p:txBody>
-      </p:sp>
-      <p:sp>
-        <p:nvSpPr>
-          <p:cNvPr id="5" name="TextBox 4"/>
-          <p:cNvSpPr txBox="1"/>
-          <p:nvPr/>
-        </p:nvSpPr>
-        <p:spPr>
-          <a:xfrm>
-            <a:off x="2834640" y="2743200"/>
-            <a:ext cx="3749040" cy="346320"/>
-          </a:xfrm>
-          <a:prstGeom prst="rect">
-            <a:avLst/>
-          </a:prstGeom>
-          <a:noFill/>
-        </p:spPr>
-        <p:txBody>
-          <a:bodyPr wrap="none">
-            <a:spAutoFit/>
-          </a:bodyPr>
-          <a:lstStyle/>
-          <a:p>
-            <a:r>
-              <a:t>USER UPDATES WITH TEXTBOX</a:t>
-            </a:r>
-          </a:p>
         </p:txBody>
       </p:sp>
     </p:spTree>
